--- a/frontend-unit-tests.pptx
+++ b/frontend-unit-tests.pptx
@@ -5,7 +5,7 @@
     <p:sldMasterId id="2147483956" r:id="rId1"/>
   </p:sldMasterIdLst>
   <p:notesMasterIdLst>
-    <p:notesMasterId r:id="rId45"/>
+    <p:notesMasterId r:id="rId48"/>
   </p:notesMasterIdLst>
   <p:sldIdLst>
     <p:sldId id="256" r:id="rId2"/>
@@ -45,12 +45,15 @@
     <p:sldId id="295" r:id="rId36"/>
     <p:sldId id="296" r:id="rId37"/>
     <p:sldId id="297" r:id="rId38"/>
-    <p:sldId id="303" r:id="rId39"/>
-    <p:sldId id="298" r:id="rId40"/>
-    <p:sldId id="301" r:id="rId41"/>
-    <p:sldId id="299" r:id="rId42"/>
-    <p:sldId id="300" r:id="rId43"/>
-    <p:sldId id="302" r:id="rId44"/>
+    <p:sldId id="305" r:id="rId39"/>
+    <p:sldId id="304" r:id="rId40"/>
+    <p:sldId id="306" r:id="rId41"/>
+    <p:sldId id="303" r:id="rId42"/>
+    <p:sldId id="298" r:id="rId43"/>
+    <p:sldId id="301" r:id="rId44"/>
+    <p:sldId id="299" r:id="rId45"/>
+    <p:sldId id="300" r:id="rId46"/>
+    <p:sldId id="302" r:id="rId47"/>
   </p:sldIdLst>
   <p:sldSz cx="12192000" cy="6858000"/>
   <p:notesSz cx="6858000" cy="9144000"/>
@@ -5687,7 +5690,7 @@
           <a:p>
             <a:r>
               <a:rPr lang="ru-RU" dirty="0"/>
-              <a:t>Стек</a:t>
+              <a:t>Стек для тестирования</a:t>
             </a:r>
           </a:p>
         </p:txBody>
@@ -6506,7 +6509,7 @@
           <a:p>
             <a:r>
               <a:rPr lang="ru-RU" dirty="0"/>
-              <a:t>Опишем метод, который напишем и будем тестировать</a:t>
+              <a:t>Опишем метод, который реализуем и протестируем</a:t>
             </a:r>
           </a:p>
         </p:txBody>
@@ -7013,9 +7016,12 @@
             </a:r>
             <a:r>
               <a:rPr lang="en-US" dirty="0"/>
-              <a:t>React;</a:t>
-            </a:r>
-            <a:endParaRPr lang="ru-RU" dirty="0"/>
+              <a:t>React</a:t>
+            </a:r>
+            <a:r>
+              <a:rPr lang="ru-RU" dirty="0"/>
+              <a:t>.</a:t>
+            </a:r>
           </a:p>
           <a:p>
             <a:endParaRPr lang="ru-RU" dirty="0"/>
@@ -7783,7 +7789,7 @@
             </a:r>
             <a:r>
               <a:rPr lang="ru-RU" dirty="0"/>
-              <a:t> (прямого)</a:t>
+              <a:t> (нет прямого доступа)</a:t>
             </a:r>
             <a:r>
               <a:rPr lang="en-US" dirty="0"/>
@@ -10026,14 +10032,19 @@
             <p:ph type="title"/>
           </p:nvPr>
         </p:nvSpPr>
-        <p:spPr/>
-        <p:txBody>
-          <a:bodyPr/>
-          <a:lstStyle/>
-          <a:p>
-            <a:r>
-              <a:rPr lang="ru-RU" dirty="0"/>
-              <a:t>Прогоним тесты</a:t>
+        <p:spPr>
+          <a:xfrm>
+            <a:off x="1371600" y="685800"/>
+            <a:ext cx="9601200" cy="1485900"/>
+          </a:xfrm>
+        </p:spPr>
+        <p:txBody>
+          <a:bodyPr/>
+          <a:lstStyle/>
+          <a:p>
+            <a:r>
+              <a:rPr lang="ru-RU" dirty="0"/>
+              <a:t>Прогон тестов для классового компонента</a:t>
             </a:r>
           </a:p>
         </p:txBody>
@@ -10132,7 +10143,7 @@
           <p:cNvPr id="2" name="Заголовок 1">
             <a:extLst>
               <a:ext uri="{FF2B5EF4-FFF2-40B4-BE49-F238E27FC236}">
-                <a16:creationId xmlns:a16="http://schemas.microsoft.com/office/drawing/2014/main" id="{20220FBF-72D7-4637-BA8D-2B18D71D448D}"/>
+                <a16:creationId xmlns:a16="http://schemas.microsoft.com/office/drawing/2014/main" id="{60DD0C80-F95B-4BA0-9BD4-531FF1D9F0EE}"/>
               </a:ext>
             </a:extLst>
           </p:cNvPr>
@@ -10150,7 +10161,7 @@
           <a:p>
             <a:r>
               <a:rPr lang="ru-RU" dirty="0"/>
-              <a:t>Предлагаемый порядок написания тестов для классовых компонентов</a:t>
+              <a:t>Тестирование классовых методов</a:t>
             </a:r>
           </a:p>
         </p:txBody>
@@ -10160,7 +10171,7 @@
           <p:cNvPr id="3" name="Объект 2">
             <a:extLst>
               <a:ext uri="{FF2B5EF4-FFF2-40B4-BE49-F238E27FC236}">
-                <a16:creationId xmlns:a16="http://schemas.microsoft.com/office/drawing/2014/main" id="{72E1FCC0-3018-4537-8141-7A8DFB12F97D}"/>
+                <a16:creationId xmlns:a16="http://schemas.microsoft.com/office/drawing/2014/main" id="{499EB07A-E1EE-432F-B914-8FDAA03A3416}"/>
               </a:ext>
             </a:extLst>
           </p:cNvPr>
@@ -10178,53 +10189,55 @@
           <a:p>
             <a:r>
               <a:rPr lang="ru-RU" dirty="0"/>
-              <a:t>Генерирование </a:t>
-            </a:r>
-            <a:r>
-              <a:rPr lang="ru-RU" dirty="0" err="1"/>
-              <a:t>снапшотов</a:t>
+              <a:t>Внутри классовых методов мы можем отслеживать:</a:t>
+            </a:r>
+          </a:p>
+          <a:p>
+            <a:pPr lvl="1"/>
+            <a:r>
+              <a:rPr lang="ru-RU" dirty="0"/>
+              <a:t>как изменяется </a:t>
+            </a:r>
+            <a:r>
+              <a:rPr lang="en-US" dirty="0"/>
+              <a:t>state;</a:t>
+            </a:r>
+          </a:p>
+          <a:p>
+            <a:pPr lvl="1"/>
+            <a:r>
+              <a:rPr lang="ru-RU" dirty="0"/>
+              <a:t>какие внешние методы были вызваны</a:t>
             </a:r>
             <a:r>
               <a:rPr lang="en-US" dirty="0"/>
               <a:t>;</a:t>
             </a:r>
-            <a:endParaRPr lang="ru-RU" dirty="0"/>
-          </a:p>
-          <a:p>
-            <a:r>
-              <a:rPr lang="ru-RU" dirty="0"/>
-              <a:t>Тестирование методов жизненного цикла</a:t>
+          </a:p>
+          <a:p>
+            <a:pPr lvl="1"/>
+            <a:r>
+              <a:rPr lang="ru-RU" dirty="0"/>
+              <a:t>какие внутренние методы были вызваны</a:t>
             </a:r>
             <a:r>
               <a:rPr lang="en-US" dirty="0"/>
               <a:t>;</a:t>
             </a:r>
-          </a:p>
-          <a:p>
-            <a:r>
-              <a:rPr lang="ru-RU" dirty="0"/>
-              <a:t>Тестирование методов класса</a:t>
-            </a:r>
-            <a:r>
-              <a:rPr lang="en-US" dirty="0"/>
-              <a:t>;</a:t>
-            </a:r>
-          </a:p>
-          <a:p>
-            <a:r>
-              <a:rPr lang="ru-RU" dirty="0"/>
-              <a:t>Тестирование содержимого метода </a:t>
-            </a:r>
-            <a:r>
-              <a:rPr lang="en-US" b="1" dirty="0"/>
-              <a:t>render()</a:t>
-            </a:r>
-            <a:r>
-              <a:rPr lang="en-US" dirty="0"/>
-              <a:t>.</a:t>
-            </a:r>
             <a:endParaRPr lang="ru-RU" dirty="0"/>
           </a:p>
+          <a:p>
+            <a:pPr lvl="1"/>
+            <a:r>
+              <a:rPr lang="ru-RU" dirty="0"/>
+              <a:t>и др.</a:t>
+            </a:r>
+            <a:endParaRPr lang="en-US" dirty="0"/>
+          </a:p>
+          <a:p>
+            <a:pPr lvl="1"/>
+            <a:endParaRPr lang="ru-RU" dirty="0"/>
+          </a:p>
         </p:txBody>
       </p:sp>
       <p:sp>
@@ -10232,7 +10245,7 @@
           <p:cNvPr id="4" name="Номер слайда 3">
             <a:extLst>
               <a:ext uri="{FF2B5EF4-FFF2-40B4-BE49-F238E27FC236}">
-                <a16:creationId xmlns:a16="http://schemas.microsoft.com/office/drawing/2014/main" id="{4A0C4B3D-4167-4624-B2F5-72FB656D03D5}"/>
+                <a16:creationId xmlns:a16="http://schemas.microsoft.com/office/drawing/2014/main" id="{0B1A711B-78B0-434D-AC4D-7FF8B65EEDEF}"/>
               </a:ext>
             </a:extLst>
           </p:cNvPr>
@@ -10259,7 +10272,7 @@
     </p:spTree>
     <p:extLst>
       <p:ext uri="{BB962C8B-B14F-4D97-AF65-F5344CB8AC3E}">
-        <p14:creationId xmlns:p14="http://schemas.microsoft.com/office/powerpoint/2010/main" val="72002825"/>
+        <p14:creationId xmlns:p14="http://schemas.microsoft.com/office/powerpoint/2010/main" val="1615744510"/>
       </p:ext>
     </p:extLst>
   </p:cSld>
@@ -10291,7 +10304,7 @@
           <p:cNvPr id="2" name="Заголовок 1">
             <a:extLst>
               <a:ext uri="{FF2B5EF4-FFF2-40B4-BE49-F238E27FC236}">
-                <a16:creationId xmlns:a16="http://schemas.microsoft.com/office/drawing/2014/main" id="{9780C107-EDD4-4B4B-B4F9-3DB52A5A19C0}"/>
+                <a16:creationId xmlns:a16="http://schemas.microsoft.com/office/drawing/2014/main" id="{6A8ABD1B-86F0-41BD-9C3F-01D4214629B9}"/>
               </a:ext>
             </a:extLst>
           </p:cNvPr>
@@ -10302,23 +10315,18 @@
             <p:ph type="title"/>
           </p:nvPr>
         </p:nvSpPr>
-        <p:spPr>
-          <a:xfrm>
-            <a:off x="1371600" y="685800"/>
-            <a:ext cx="9601200" cy="1485900"/>
-          </a:xfrm>
-        </p:spPr>
-        <p:txBody>
-          <a:bodyPr/>
-          <a:lstStyle/>
-          <a:p>
-            <a:r>
-              <a:rPr lang="en-US" dirty="0"/>
-              <a:t>Class VS functional</a:t>
-            </a:r>
-            <a:r>
-              <a:rPr lang="ru-RU" dirty="0"/>
-              <a:t> компоненты</a:t>
+        <p:spPr/>
+        <p:txBody>
+          <a:bodyPr/>
+          <a:lstStyle/>
+          <a:p>
+            <a:r>
+              <a:rPr lang="ru-RU" dirty="0" err="1"/>
+              <a:t>Замокивание</a:t>
+            </a:r>
+            <a:r>
+              <a:rPr lang="ru-RU" dirty="0"/>
+              <a:t> методов</a:t>
             </a:r>
           </a:p>
         </p:txBody>
@@ -10328,7 +10336,7 @@
           <p:cNvPr id="3" name="Объект 2">
             <a:extLst>
               <a:ext uri="{FF2B5EF4-FFF2-40B4-BE49-F238E27FC236}">
-                <a16:creationId xmlns:a16="http://schemas.microsoft.com/office/drawing/2014/main" id="{EB2FFC78-5DCD-45D8-B0F0-E4930BE00B6E}"/>
+                <a16:creationId xmlns:a16="http://schemas.microsoft.com/office/drawing/2014/main" id="{94FAB3DB-937D-4A6C-81C1-9399A281D80B}"/>
               </a:ext>
             </a:extLst>
           </p:cNvPr>
@@ -10339,50 +10347,14 @@
             <p:ph idx="1"/>
           </p:nvPr>
         </p:nvSpPr>
-        <p:spPr>
-          <a:xfrm>
-            <a:off x="1371600" y="2286000"/>
-            <a:ext cx="9601200" cy="4167386"/>
-          </a:xfrm>
-        </p:spPr>
-        <p:txBody>
-          <a:bodyPr/>
-          <a:lstStyle/>
-          <a:p>
-            <a:r>
-              <a:rPr lang="ru-RU" dirty="0"/>
-              <a:t>Методы</a:t>
-            </a:r>
-          </a:p>
-          <a:p>
-            <a:pPr lvl="1"/>
-            <a:r>
-              <a:rPr lang="ru-RU" dirty="0"/>
-              <a:t>У </a:t>
-            </a:r>
-            <a:r>
-              <a:rPr lang="ru-RU" b="1" dirty="0"/>
-              <a:t>классового</a:t>
-            </a:r>
-            <a:r>
-              <a:rPr lang="ru-RU" dirty="0"/>
-              <a:t> компонента есть доступ ко всем методам</a:t>
-            </a:r>
-            <a:r>
-              <a:rPr lang="en-US" dirty="0"/>
-              <a:t> </a:t>
-            </a:r>
-            <a:r>
-              <a:rPr lang="ru-RU" dirty="0"/>
-              <a:t>и свойствам класса (через метод </a:t>
-            </a:r>
-            <a:r>
-              <a:rPr lang="en-US" dirty="0"/>
-              <a:t>.</a:t>
-            </a:r>
-            <a:r>
-              <a:rPr lang="en-US" b="1" dirty="0"/>
-              <a:t>instance</a:t>
+        <p:spPr/>
+        <p:txBody>
+          <a:bodyPr/>
+          <a:lstStyle/>
+          <a:p>
+            <a:r>
+              <a:rPr lang="en-US" dirty="0" err="1"/>
+              <a:t>jest.fn</a:t>
             </a:r>
             <a:r>
               <a:rPr lang="en-US" dirty="0"/>
@@ -10390,109 +10362,30 @@
             </a:r>
             <a:r>
               <a:rPr lang="ru-RU" dirty="0"/>
-              <a:t>).</a:t>
-            </a:r>
-          </a:p>
-          <a:p>
-            <a:pPr lvl="1"/>
-            <a:r>
-              <a:rPr lang="ru-RU" dirty="0"/>
-              <a:t>У </a:t>
-            </a:r>
-            <a:r>
-              <a:rPr lang="ru-RU" b="1" dirty="0"/>
-              <a:t>функционального</a:t>
-            </a:r>
-            <a:r>
-              <a:rPr lang="ru-RU" dirty="0"/>
-              <a:t> компонента нет прямого доступа к методам, можно искать </a:t>
+              <a:t> позволяет отслеживать за действиями, которые осуществлялись с </a:t>
+            </a:r>
+            <a:r>
+              <a:rPr lang="ru-RU" dirty="0" err="1"/>
+              <a:t>замоканным</a:t>
+            </a:r>
+            <a:r>
+              <a:rPr lang="ru-RU" dirty="0"/>
+              <a:t> методом</a:t>
             </a:r>
             <a:r>
               <a:rPr lang="en-US" dirty="0"/>
-              <a:t>DOM</a:t>
-            </a:r>
-            <a:r>
-              <a:rPr lang="ru-RU" dirty="0"/>
-              <a:t> элемент и обращаться к свойству, в которое прокинута ссылка на функцию.</a:t>
-            </a:r>
-            <a:endParaRPr lang="en-US" dirty="0"/>
-          </a:p>
-          <a:p>
-            <a:r>
-              <a:rPr lang="ru-RU" dirty="0"/>
-              <a:t>Доступ к </a:t>
-            </a:r>
-            <a:r>
-              <a:rPr lang="en-US" dirty="0"/>
-              <a:t>state</a:t>
+              <a:t>;</a:t>
             </a:r>
             <a:endParaRPr lang="ru-RU" dirty="0"/>
           </a:p>
           <a:p>
-            <a:pPr lvl="1"/>
-            <a:r>
-              <a:rPr lang="ru-RU" dirty="0"/>
-              <a:t>У </a:t>
-            </a:r>
-            <a:r>
-              <a:rPr lang="ru-RU" b="1" dirty="0"/>
-              <a:t>классовых</a:t>
-            </a:r>
-            <a:r>
-              <a:rPr lang="ru-RU" dirty="0"/>
-              <a:t> компонентов есть прямой доступ к </a:t>
-            </a:r>
-            <a:r>
-              <a:rPr lang="en-US" dirty="0"/>
-              <a:t>state (</a:t>
-            </a:r>
-            <a:r>
-              <a:rPr lang="ru-RU" dirty="0"/>
-              <a:t>чтение/запись)</a:t>
-            </a:r>
-            <a:r>
-              <a:rPr lang="en-US" dirty="0"/>
-              <a:t>.</a:t>
-            </a:r>
-            <a:endParaRPr lang="ru-RU" dirty="0"/>
-          </a:p>
-          <a:p>
-            <a:pPr lvl="1"/>
-            <a:r>
-              <a:rPr lang="ru-RU" dirty="0"/>
-              <a:t>У </a:t>
-            </a:r>
-            <a:r>
-              <a:rPr lang="ru-RU" b="1" dirty="0"/>
-              <a:t>функциональных</a:t>
-            </a:r>
-            <a:r>
-              <a:rPr lang="ru-RU" dirty="0"/>
-              <a:t> компонентов можно получить доступ к </a:t>
-            </a:r>
-            <a:r>
-              <a:rPr lang="en-US" dirty="0"/>
-              <a:t>state</a:t>
-            </a:r>
-            <a:r>
-              <a:rPr lang="ru-RU" dirty="0"/>
-              <a:t> (изменение и чтение) через поиск </a:t>
-            </a:r>
-            <a:r>
-              <a:rPr lang="en-US" dirty="0"/>
-              <a:t>DOM</a:t>
-            </a:r>
-            <a:r>
-              <a:rPr lang="ru-RU" dirty="0"/>
-              <a:t> элементов, куда попадает </a:t>
-            </a:r>
-            <a:r>
-              <a:rPr lang="en-US" dirty="0"/>
-              <a:t>state</a:t>
-            </a:r>
-            <a:r>
-              <a:rPr lang="ru-RU" dirty="0"/>
-              <a:t>.</a:t>
+            <a:r>
+              <a:rPr lang="ru-RU" dirty="0" err="1"/>
+              <a:t>замокивать</a:t>
+            </a:r>
+            <a:r>
+              <a:rPr lang="ru-RU" dirty="0"/>
+              <a:t> можно как внешние методы (приходящие из пропсов), так и внутренние методы класса.</a:t>
             </a:r>
           </a:p>
         </p:txBody>
@@ -10502,7 +10395,7 @@
           <p:cNvPr id="4" name="Номер слайда 3">
             <a:extLst>
               <a:ext uri="{FF2B5EF4-FFF2-40B4-BE49-F238E27FC236}">
-                <a16:creationId xmlns:a16="http://schemas.microsoft.com/office/drawing/2014/main" id="{BDD11D27-793D-4ACD-B536-8A08821693ED}"/>
+                <a16:creationId xmlns:a16="http://schemas.microsoft.com/office/drawing/2014/main" id="{43ECF7CD-3505-4224-BF81-CA685FB2A65C}"/>
               </a:ext>
             </a:extLst>
           </p:cNvPr>
@@ -10529,7 +10422,7 @@
     </p:spTree>
     <p:extLst>
       <p:ext uri="{BB962C8B-B14F-4D97-AF65-F5344CB8AC3E}">
-        <p14:creationId xmlns:p14="http://schemas.microsoft.com/office/powerpoint/2010/main" val="1803089359"/>
+        <p14:creationId xmlns:p14="http://schemas.microsoft.com/office/powerpoint/2010/main" val="2717873259"/>
       </p:ext>
     </p:extLst>
   </p:cSld>
@@ -11177,7 +11070,7 @@
           <p:cNvPr id="2" name="Заголовок 1">
             <a:extLst>
               <a:ext uri="{FF2B5EF4-FFF2-40B4-BE49-F238E27FC236}">
-                <a16:creationId xmlns:a16="http://schemas.microsoft.com/office/drawing/2014/main" id="{6F5D02B0-E368-4326-B521-D53F3F1A5103}"/>
+                <a16:creationId xmlns:a16="http://schemas.microsoft.com/office/drawing/2014/main" id="{92953BD3-A00B-436B-BD64-0BB3A12E07A4}"/>
               </a:ext>
             </a:extLst>
           </p:cNvPr>
@@ -11195,7 +11088,15 @@
           <a:p>
             <a:r>
               <a:rPr lang="ru-RU" dirty="0"/>
-              <a:t>Покрытие кода тестами</a:t>
+              <a:t>Что можно получить у </a:t>
+            </a:r>
+            <a:r>
+              <a:rPr lang="ru-RU" dirty="0" err="1"/>
+              <a:t>замоканного</a:t>
+            </a:r>
+            <a:r>
+              <a:rPr lang="ru-RU" dirty="0"/>
+              <a:t> метода</a:t>
             </a:r>
           </a:p>
         </p:txBody>
@@ -11205,7 +11106,7 @@
           <p:cNvPr id="3" name="Объект 2">
             <a:extLst>
               <a:ext uri="{FF2B5EF4-FFF2-40B4-BE49-F238E27FC236}">
-                <a16:creationId xmlns:a16="http://schemas.microsoft.com/office/drawing/2014/main" id="{BA577843-4DE8-4781-AD1F-67D1A04244C2}"/>
+                <a16:creationId xmlns:a16="http://schemas.microsoft.com/office/drawing/2014/main" id="{59C24F95-87AB-400C-BF5F-068E389C951E}"/>
               </a:ext>
             </a:extLst>
           </p:cNvPr>
@@ -11223,14 +11124,72 @@
           <a:p>
             <a:r>
               <a:rPr lang="ru-RU" dirty="0"/>
-              <a:t>Флаг </a:t>
+              <a:t>Сколько раз был вызван метод?</a:t>
             </a:r>
             <a:r>
               <a:rPr lang="en-US" dirty="0"/>
-              <a:t>--coverage</a:t>
+              <a:t> </a:t>
             </a:r>
             <a:endParaRPr lang="ru-RU" dirty="0"/>
           </a:p>
+          <a:p>
+            <a:pPr lvl="1"/>
+            <a:r>
+              <a:rPr lang="en-US" dirty="0" err="1"/>
+              <a:t>toHaveBeenCalledTimes</a:t>
+            </a:r>
+            <a:endParaRPr lang="en-US" dirty="0"/>
+          </a:p>
+          <a:p>
+            <a:r>
+              <a:rPr lang="ru-RU" dirty="0"/>
+              <a:t>С какими аргументами был вызван метод?</a:t>
+            </a:r>
+            <a:r>
+              <a:rPr lang="en-US" dirty="0"/>
+              <a:t> </a:t>
+            </a:r>
+            <a:endParaRPr lang="ru-RU" dirty="0"/>
+          </a:p>
+          <a:p>
+            <a:pPr lvl="1"/>
+            <a:r>
+              <a:rPr lang="en-US" dirty="0" err="1"/>
+              <a:t>toHaveBeenCalledWith</a:t>
+            </a:r>
+            <a:r>
+              <a:rPr lang="en-US" dirty="0"/>
+              <a:t> \ </a:t>
+            </a:r>
+            <a:r>
+              <a:rPr lang="en-US" dirty="0" err="1"/>
+              <a:t>toHaveBeenLastCalledWith</a:t>
+            </a:r>
+            <a:endParaRPr lang="ru-RU" dirty="0"/>
+          </a:p>
+          <a:p>
+            <a:r>
+              <a:rPr lang="ru-RU" dirty="0"/>
+              <a:t>Метод что-то возвращает, а не падает? </a:t>
+            </a:r>
+          </a:p>
+          <a:p>
+            <a:pPr lvl="1"/>
+            <a:r>
+              <a:rPr lang="en-US" dirty="0" err="1"/>
+              <a:t>toHaveReturned</a:t>
+            </a:r>
+            <a:endParaRPr lang="ru-RU" dirty="0"/>
+          </a:p>
+          <a:p>
+            <a:r>
+              <a:rPr lang="ru-RU" dirty="0"/>
+              <a:t>И др.</a:t>
+            </a:r>
+          </a:p>
+          <a:p>
+            <a:endParaRPr lang="ru-RU" dirty="0"/>
+          </a:p>
         </p:txBody>
       </p:sp>
       <p:sp>
@@ -11238,7 +11197,7 @@
           <p:cNvPr id="4" name="Номер слайда 3">
             <a:extLst>
               <a:ext uri="{FF2B5EF4-FFF2-40B4-BE49-F238E27FC236}">
-                <a16:creationId xmlns:a16="http://schemas.microsoft.com/office/drawing/2014/main" id="{614E234D-431E-477F-848B-BED4AC75D8CC}"/>
+                <a16:creationId xmlns:a16="http://schemas.microsoft.com/office/drawing/2014/main" id="{E72DBA37-AEA2-4B85-847C-3459E12FA0BD}"/>
               </a:ext>
             </a:extLst>
           </p:cNvPr>
@@ -11257,6 +11216,555 @@
             <a:fld id="{C3B0FE5C-1B16-42F2-B7DE-779B6E602A6F}" type="slidenum">
               <a:rPr lang="ru-RU" smtClean="0"/>
               <a:t>40</a:t>
+            </a:fld>
+            <a:endParaRPr lang="ru-RU"/>
+          </a:p>
+        </p:txBody>
+      </p:sp>
+    </p:spTree>
+    <p:extLst>
+      <p:ext uri="{BB962C8B-B14F-4D97-AF65-F5344CB8AC3E}">
+        <p14:creationId xmlns:p14="http://schemas.microsoft.com/office/powerpoint/2010/main" val="2223245466"/>
+      </p:ext>
+    </p:extLst>
+  </p:cSld>
+  <p:clrMapOvr>
+    <a:masterClrMapping/>
+  </p:clrMapOvr>
+</p:sld>
+</file>
+
+<file path=ppt/slides/slide41.xml><?xml version="1.0" encoding="utf-8"?>
+<p:sld xmlns:a="http://schemas.openxmlformats.org/drawingml/2006/main" xmlns:r="http://schemas.openxmlformats.org/officeDocument/2006/relationships" xmlns:p="http://schemas.openxmlformats.org/presentationml/2006/main">
+  <p:cSld>
+    <p:spTree>
+      <p:nvGrpSpPr>
+        <p:cNvPr id="1" name=""/>
+        <p:cNvGrpSpPr/>
+        <p:nvPr/>
+      </p:nvGrpSpPr>
+      <p:grpSpPr>
+        <a:xfrm>
+          <a:off x="0" y="0"/>
+          <a:ext cx="0" cy="0"/>
+          <a:chOff x="0" y="0"/>
+          <a:chExt cx="0" cy="0"/>
+        </a:xfrm>
+      </p:grpSpPr>
+      <p:sp>
+        <p:nvSpPr>
+          <p:cNvPr id="2" name="Заголовок 1">
+            <a:extLst>
+              <a:ext uri="{FF2B5EF4-FFF2-40B4-BE49-F238E27FC236}">
+                <a16:creationId xmlns:a16="http://schemas.microsoft.com/office/drawing/2014/main" id="{20220FBF-72D7-4637-BA8D-2B18D71D448D}"/>
+              </a:ext>
+            </a:extLst>
+          </p:cNvPr>
+          <p:cNvSpPr>
+            <a:spLocks noGrp="1"/>
+          </p:cNvSpPr>
+          <p:nvPr>
+            <p:ph type="title"/>
+          </p:nvPr>
+        </p:nvSpPr>
+        <p:spPr/>
+        <p:txBody>
+          <a:bodyPr/>
+          <a:lstStyle/>
+          <a:p>
+            <a:r>
+              <a:rPr lang="ru-RU" dirty="0"/>
+              <a:t>Предлагаемый порядок написания тестов для классовых компонентов</a:t>
+            </a:r>
+          </a:p>
+        </p:txBody>
+      </p:sp>
+      <p:sp>
+        <p:nvSpPr>
+          <p:cNvPr id="3" name="Объект 2">
+            <a:extLst>
+              <a:ext uri="{FF2B5EF4-FFF2-40B4-BE49-F238E27FC236}">
+                <a16:creationId xmlns:a16="http://schemas.microsoft.com/office/drawing/2014/main" id="{72E1FCC0-3018-4537-8141-7A8DFB12F97D}"/>
+              </a:ext>
+            </a:extLst>
+          </p:cNvPr>
+          <p:cNvSpPr>
+            <a:spLocks noGrp="1"/>
+          </p:cNvSpPr>
+          <p:nvPr>
+            <p:ph idx="1"/>
+          </p:nvPr>
+        </p:nvSpPr>
+        <p:spPr/>
+        <p:txBody>
+          <a:bodyPr/>
+          <a:lstStyle/>
+          <a:p>
+            <a:r>
+              <a:rPr lang="ru-RU" dirty="0"/>
+              <a:t>Генерирование </a:t>
+            </a:r>
+            <a:r>
+              <a:rPr lang="ru-RU" dirty="0" err="1"/>
+              <a:t>снапшотов</a:t>
+            </a:r>
+            <a:r>
+              <a:rPr lang="en-US" dirty="0"/>
+              <a:t>;</a:t>
+            </a:r>
+            <a:endParaRPr lang="ru-RU" dirty="0"/>
+          </a:p>
+          <a:p>
+            <a:r>
+              <a:rPr lang="ru-RU" dirty="0"/>
+              <a:t>Тестирование методов жизненного цикла</a:t>
+            </a:r>
+            <a:r>
+              <a:rPr lang="en-US" dirty="0"/>
+              <a:t>;</a:t>
+            </a:r>
+          </a:p>
+          <a:p>
+            <a:r>
+              <a:rPr lang="ru-RU" dirty="0"/>
+              <a:t>Тестирование методов класса</a:t>
+            </a:r>
+            <a:r>
+              <a:rPr lang="en-US" dirty="0"/>
+              <a:t>;</a:t>
+            </a:r>
+          </a:p>
+          <a:p>
+            <a:r>
+              <a:rPr lang="ru-RU" dirty="0"/>
+              <a:t>Тестирование содержимого метода </a:t>
+            </a:r>
+            <a:r>
+              <a:rPr lang="en-US" b="1" dirty="0"/>
+              <a:t>render()</a:t>
+            </a:r>
+            <a:r>
+              <a:rPr lang="en-US" dirty="0"/>
+              <a:t>.</a:t>
+            </a:r>
+            <a:endParaRPr lang="ru-RU" dirty="0"/>
+          </a:p>
+        </p:txBody>
+      </p:sp>
+      <p:sp>
+        <p:nvSpPr>
+          <p:cNvPr id="4" name="Номер слайда 3">
+            <a:extLst>
+              <a:ext uri="{FF2B5EF4-FFF2-40B4-BE49-F238E27FC236}">
+                <a16:creationId xmlns:a16="http://schemas.microsoft.com/office/drawing/2014/main" id="{4A0C4B3D-4167-4624-B2F5-72FB656D03D5}"/>
+              </a:ext>
+            </a:extLst>
+          </p:cNvPr>
+          <p:cNvSpPr>
+            <a:spLocks noGrp="1"/>
+          </p:cNvSpPr>
+          <p:nvPr>
+            <p:ph type="sldNum" sz="quarter" idx="12"/>
+          </p:nvPr>
+        </p:nvSpPr>
+        <p:spPr/>
+        <p:txBody>
+          <a:bodyPr/>
+          <a:lstStyle/>
+          <a:p>
+            <a:fld id="{C3B0FE5C-1B16-42F2-B7DE-779B6E602A6F}" type="slidenum">
+              <a:rPr lang="ru-RU" smtClean="0"/>
+              <a:t>41</a:t>
+            </a:fld>
+            <a:endParaRPr lang="ru-RU"/>
+          </a:p>
+        </p:txBody>
+      </p:sp>
+    </p:spTree>
+    <p:extLst>
+      <p:ext uri="{BB962C8B-B14F-4D97-AF65-F5344CB8AC3E}">
+        <p14:creationId xmlns:p14="http://schemas.microsoft.com/office/powerpoint/2010/main" val="72002825"/>
+      </p:ext>
+    </p:extLst>
+  </p:cSld>
+  <p:clrMapOvr>
+    <a:masterClrMapping/>
+  </p:clrMapOvr>
+</p:sld>
+</file>
+
+<file path=ppt/slides/slide42.xml><?xml version="1.0" encoding="utf-8"?>
+<p:sld xmlns:a="http://schemas.openxmlformats.org/drawingml/2006/main" xmlns:r="http://schemas.openxmlformats.org/officeDocument/2006/relationships" xmlns:p="http://schemas.openxmlformats.org/presentationml/2006/main">
+  <p:cSld>
+    <p:spTree>
+      <p:nvGrpSpPr>
+        <p:cNvPr id="1" name=""/>
+        <p:cNvGrpSpPr/>
+        <p:nvPr/>
+      </p:nvGrpSpPr>
+      <p:grpSpPr>
+        <a:xfrm>
+          <a:off x="0" y="0"/>
+          <a:ext cx="0" cy="0"/>
+          <a:chOff x="0" y="0"/>
+          <a:chExt cx="0" cy="0"/>
+        </a:xfrm>
+      </p:grpSpPr>
+      <p:sp>
+        <p:nvSpPr>
+          <p:cNvPr id="2" name="Заголовок 1">
+            <a:extLst>
+              <a:ext uri="{FF2B5EF4-FFF2-40B4-BE49-F238E27FC236}">
+                <a16:creationId xmlns:a16="http://schemas.microsoft.com/office/drawing/2014/main" id="{9780C107-EDD4-4B4B-B4F9-3DB52A5A19C0}"/>
+              </a:ext>
+            </a:extLst>
+          </p:cNvPr>
+          <p:cNvSpPr>
+            <a:spLocks noGrp="1"/>
+          </p:cNvSpPr>
+          <p:nvPr>
+            <p:ph type="title"/>
+          </p:nvPr>
+        </p:nvSpPr>
+        <p:spPr>
+          <a:xfrm>
+            <a:off x="1371600" y="685800"/>
+            <a:ext cx="9601200" cy="1485900"/>
+          </a:xfrm>
+        </p:spPr>
+        <p:txBody>
+          <a:bodyPr/>
+          <a:lstStyle/>
+          <a:p>
+            <a:r>
+              <a:rPr lang="en-US" dirty="0"/>
+              <a:t>Class VS functional</a:t>
+            </a:r>
+            <a:r>
+              <a:rPr lang="ru-RU" dirty="0"/>
+              <a:t> компоненты</a:t>
+            </a:r>
+          </a:p>
+        </p:txBody>
+      </p:sp>
+      <p:sp>
+        <p:nvSpPr>
+          <p:cNvPr id="3" name="Объект 2">
+            <a:extLst>
+              <a:ext uri="{FF2B5EF4-FFF2-40B4-BE49-F238E27FC236}">
+                <a16:creationId xmlns:a16="http://schemas.microsoft.com/office/drawing/2014/main" id="{EB2FFC78-5DCD-45D8-B0F0-E4930BE00B6E}"/>
+              </a:ext>
+            </a:extLst>
+          </p:cNvPr>
+          <p:cNvSpPr>
+            <a:spLocks noGrp="1"/>
+          </p:cNvSpPr>
+          <p:nvPr>
+            <p:ph idx="1"/>
+          </p:nvPr>
+        </p:nvSpPr>
+        <p:spPr>
+          <a:xfrm>
+            <a:off x="1371600" y="2286000"/>
+            <a:ext cx="9601200" cy="4167386"/>
+          </a:xfrm>
+        </p:spPr>
+        <p:txBody>
+          <a:bodyPr/>
+          <a:lstStyle/>
+          <a:p>
+            <a:r>
+              <a:rPr lang="ru-RU" dirty="0"/>
+              <a:t>Методы</a:t>
+            </a:r>
+          </a:p>
+          <a:p>
+            <a:pPr lvl="1"/>
+            <a:r>
+              <a:rPr lang="ru-RU" dirty="0"/>
+              <a:t>У </a:t>
+            </a:r>
+            <a:r>
+              <a:rPr lang="ru-RU" b="1" dirty="0"/>
+              <a:t>классового</a:t>
+            </a:r>
+            <a:r>
+              <a:rPr lang="ru-RU" dirty="0"/>
+              <a:t> компонента есть доступ ко всем методам</a:t>
+            </a:r>
+            <a:r>
+              <a:rPr lang="en-US" dirty="0"/>
+              <a:t> </a:t>
+            </a:r>
+            <a:r>
+              <a:rPr lang="ru-RU" dirty="0"/>
+              <a:t>и свойствам класса (через метод </a:t>
+            </a:r>
+            <a:r>
+              <a:rPr lang="en-US" dirty="0"/>
+              <a:t>.</a:t>
+            </a:r>
+            <a:r>
+              <a:rPr lang="en-US" b="1" dirty="0"/>
+              <a:t>instance</a:t>
+            </a:r>
+            <a:r>
+              <a:rPr lang="en-US" dirty="0"/>
+              <a:t>()</a:t>
+            </a:r>
+            <a:r>
+              <a:rPr lang="ru-RU" dirty="0"/>
+              <a:t>).</a:t>
+            </a:r>
+          </a:p>
+          <a:p>
+            <a:pPr lvl="1"/>
+            <a:r>
+              <a:rPr lang="ru-RU" dirty="0"/>
+              <a:t>У </a:t>
+            </a:r>
+            <a:r>
+              <a:rPr lang="ru-RU" b="1" dirty="0"/>
+              <a:t>функционального</a:t>
+            </a:r>
+            <a:r>
+              <a:rPr lang="ru-RU" dirty="0"/>
+              <a:t> компонента нет прямого доступа к методам, можно искать </a:t>
+            </a:r>
+            <a:r>
+              <a:rPr lang="en-US" dirty="0"/>
+              <a:t>DOM</a:t>
+            </a:r>
+            <a:r>
+              <a:rPr lang="ru-RU" dirty="0"/>
+              <a:t> элемент и обращаться к свойству, в которое прокинута ссылка на функцию.</a:t>
+            </a:r>
+            <a:endParaRPr lang="en-US" dirty="0"/>
+          </a:p>
+          <a:p>
+            <a:r>
+              <a:rPr lang="ru-RU" dirty="0"/>
+              <a:t>Доступ к </a:t>
+            </a:r>
+            <a:r>
+              <a:rPr lang="en-US" dirty="0"/>
+              <a:t>state</a:t>
+            </a:r>
+            <a:endParaRPr lang="ru-RU" dirty="0"/>
+          </a:p>
+          <a:p>
+            <a:pPr lvl="1"/>
+            <a:r>
+              <a:rPr lang="ru-RU" dirty="0"/>
+              <a:t>У </a:t>
+            </a:r>
+            <a:r>
+              <a:rPr lang="ru-RU" b="1" dirty="0"/>
+              <a:t>классовых</a:t>
+            </a:r>
+            <a:r>
+              <a:rPr lang="ru-RU" dirty="0"/>
+              <a:t> компонентов есть прямой доступ к </a:t>
+            </a:r>
+            <a:r>
+              <a:rPr lang="en-US" dirty="0"/>
+              <a:t>state (</a:t>
+            </a:r>
+            <a:r>
+              <a:rPr lang="ru-RU" dirty="0"/>
+              <a:t>чтение/запись)</a:t>
+            </a:r>
+            <a:r>
+              <a:rPr lang="en-US" dirty="0"/>
+              <a:t>.</a:t>
+            </a:r>
+            <a:endParaRPr lang="ru-RU" dirty="0"/>
+          </a:p>
+          <a:p>
+            <a:pPr lvl="1"/>
+            <a:r>
+              <a:rPr lang="ru-RU" dirty="0"/>
+              <a:t>У </a:t>
+            </a:r>
+            <a:r>
+              <a:rPr lang="ru-RU" b="1" dirty="0"/>
+              <a:t>функциональных</a:t>
+            </a:r>
+            <a:r>
+              <a:rPr lang="ru-RU" dirty="0"/>
+              <a:t> компонентов можно получить доступ к </a:t>
+            </a:r>
+            <a:r>
+              <a:rPr lang="en-US" dirty="0"/>
+              <a:t>state</a:t>
+            </a:r>
+            <a:r>
+              <a:rPr lang="ru-RU" dirty="0"/>
+              <a:t> (изменение и чтение) через поиск </a:t>
+            </a:r>
+            <a:r>
+              <a:rPr lang="en-US" dirty="0"/>
+              <a:t>DOM</a:t>
+            </a:r>
+            <a:r>
+              <a:rPr lang="ru-RU" dirty="0"/>
+              <a:t> элементов, куда попадает </a:t>
+            </a:r>
+            <a:r>
+              <a:rPr lang="en-US" dirty="0"/>
+              <a:t>state</a:t>
+            </a:r>
+            <a:r>
+              <a:rPr lang="ru-RU" dirty="0"/>
+              <a:t>.</a:t>
+            </a:r>
+          </a:p>
+        </p:txBody>
+      </p:sp>
+      <p:sp>
+        <p:nvSpPr>
+          <p:cNvPr id="4" name="Номер слайда 3">
+            <a:extLst>
+              <a:ext uri="{FF2B5EF4-FFF2-40B4-BE49-F238E27FC236}">
+                <a16:creationId xmlns:a16="http://schemas.microsoft.com/office/drawing/2014/main" id="{BDD11D27-793D-4ACD-B536-8A08821693ED}"/>
+              </a:ext>
+            </a:extLst>
+          </p:cNvPr>
+          <p:cNvSpPr>
+            <a:spLocks noGrp="1"/>
+          </p:cNvSpPr>
+          <p:nvPr>
+            <p:ph type="sldNum" sz="quarter" idx="12"/>
+          </p:nvPr>
+        </p:nvSpPr>
+        <p:spPr/>
+        <p:txBody>
+          <a:bodyPr/>
+          <a:lstStyle/>
+          <a:p>
+            <a:fld id="{C3B0FE5C-1B16-42F2-B7DE-779B6E602A6F}" type="slidenum">
+              <a:rPr lang="ru-RU" smtClean="0"/>
+              <a:t>42</a:t>
+            </a:fld>
+            <a:endParaRPr lang="ru-RU"/>
+          </a:p>
+        </p:txBody>
+      </p:sp>
+    </p:spTree>
+    <p:extLst>
+      <p:ext uri="{BB962C8B-B14F-4D97-AF65-F5344CB8AC3E}">
+        <p14:creationId xmlns:p14="http://schemas.microsoft.com/office/powerpoint/2010/main" val="1803089359"/>
+      </p:ext>
+    </p:extLst>
+  </p:cSld>
+  <p:clrMapOvr>
+    <a:masterClrMapping/>
+  </p:clrMapOvr>
+</p:sld>
+</file>
+
+<file path=ppt/slides/slide43.xml><?xml version="1.0" encoding="utf-8"?>
+<p:sld xmlns:a="http://schemas.openxmlformats.org/drawingml/2006/main" xmlns:r="http://schemas.openxmlformats.org/officeDocument/2006/relationships" xmlns:p="http://schemas.openxmlformats.org/presentationml/2006/main">
+  <p:cSld>
+    <p:spTree>
+      <p:nvGrpSpPr>
+        <p:cNvPr id="1" name=""/>
+        <p:cNvGrpSpPr/>
+        <p:nvPr/>
+      </p:nvGrpSpPr>
+      <p:grpSpPr>
+        <a:xfrm>
+          <a:off x="0" y="0"/>
+          <a:ext cx="0" cy="0"/>
+          <a:chOff x="0" y="0"/>
+          <a:chExt cx="0" cy="0"/>
+        </a:xfrm>
+      </p:grpSpPr>
+      <p:sp>
+        <p:nvSpPr>
+          <p:cNvPr id="2" name="Заголовок 1">
+            <a:extLst>
+              <a:ext uri="{FF2B5EF4-FFF2-40B4-BE49-F238E27FC236}">
+                <a16:creationId xmlns:a16="http://schemas.microsoft.com/office/drawing/2014/main" id="{6F5D02B0-E368-4326-B521-D53F3F1A5103}"/>
+              </a:ext>
+            </a:extLst>
+          </p:cNvPr>
+          <p:cNvSpPr>
+            <a:spLocks noGrp="1"/>
+          </p:cNvSpPr>
+          <p:nvPr>
+            <p:ph type="title"/>
+          </p:nvPr>
+        </p:nvSpPr>
+        <p:spPr/>
+        <p:txBody>
+          <a:bodyPr/>
+          <a:lstStyle/>
+          <a:p>
+            <a:r>
+              <a:rPr lang="ru-RU" dirty="0"/>
+              <a:t>Покрытие кода тестами</a:t>
+            </a:r>
+          </a:p>
+        </p:txBody>
+      </p:sp>
+      <p:sp>
+        <p:nvSpPr>
+          <p:cNvPr id="3" name="Объект 2">
+            <a:extLst>
+              <a:ext uri="{FF2B5EF4-FFF2-40B4-BE49-F238E27FC236}">
+                <a16:creationId xmlns:a16="http://schemas.microsoft.com/office/drawing/2014/main" id="{BA577843-4DE8-4781-AD1F-67D1A04244C2}"/>
+              </a:ext>
+            </a:extLst>
+          </p:cNvPr>
+          <p:cNvSpPr>
+            <a:spLocks noGrp="1"/>
+          </p:cNvSpPr>
+          <p:nvPr>
+            <p:ph idx="1"/>
+          </p:nvPr>
+        </p:nvSpPr>
+        <p:spPr/>
+        <p:txBody>
+          <a:bodyPr/>
+          <a:lstStyle/>
+          <a:p>
+            <a:r>
+              <a:rPr lang="ru-RU" dirty="0"/>
+              <a:t>Флаг </a:t>
+            </a:r>
+            <a:r>
+              <a:rPr lang="en-US" dirty="0"/>
+              <a:t>--coverage</a:t>
+            </a:r>
+            <a:endParaRPr lang="ru-RU" dirty="0"/>
+          </a:p>
+        </p:txBody>
+      </p:sp>
+      <p:sp>
+        <p:nvSpPr>
+          <p:cNvPr id="4" name="Номер слайда 3">
+            <a:extLst>
+              <a:ext uri="{FF2B5EF4-FFF2-40B4-BE49-F238E27FC236}">
+                <a16:creationId xmlns:a16="http://schemas.microsoft.com/office/drawing/2014/main" id="{614E234D-431E-477F-848B-BED4AC75D8CC}"/>
+              </a:ext>
+            </a:extLst>
+          </p:cNvPr>
+          <p:cNvSpPr>
+            <a:spLocks noGrp="1"/>
+          </p:cNvSpPr>
+          <p:nvPr>
+            <p:ph type="sldNum" sz="quarter" idx="12"/>
+          </p:nvPr>
+        </p:nvSpPr>
+        <p:spPr/>
+        <p:txBody>
+          <a:bodyPr/>
+          <a:lstStyle/>
+          <a:p>
+            <a:fld id="{C3B0FE5C-1B16-42F2-B7DE-779B6E602A6F}" type="slidenum">
+              <a:rPr lang="ru-RU" smtClean="0"/>
+              <a:t>43</a:t>
             </a:fld>
             <a:endParaRPr lang="ru-RU"/>
           </a:p>
@@ -11305,7 +11813,7 @@
 </p:sld>
 </file>
 
-<file path=ppt/slides/slide41.xml><?xml version="1.0" encoding="utf-8"?>
+<file path=ppt/slides/slide44.xml><?xml version="1.0" encoding="utf-8"?>
 <p:sld xmlns:a="http://schemas.openxmlformats.org/drawingml/2006/main" xmlns:r="http://schemas.openxmlformats.org/officeDocument/2006/relationships" xmlns:p="http://schemas.openxmlformats.org/presentationml/2006/main">
   <p:cSld>
     <p:spTree>
@@ -11454,7 +11962,7 @@
           <a:p>
             <a:fld id="{C3B0FE5C-1B16-42F2-B7DE-779B6E602A6F}" type="slidenum">
               <a:rPr lang="ru-RU" smtClean="0"/>
-              <a:t>41</a:t>
+              <a:t>44</a:t>
             </a:fld>
             <a:endParaRPr lang="ru-RU"/>
           </a:p>
@@ -11473,7 +11981,7 @@
 </p:sld>
 </file>
 
-<file path=ppt/slides/slide42.xml><?xml version="1.0" encoding="utf-8"?>
+<file path=ppt/slides/slide45.xml><?xml version="1.0" encoding="utf-8"?>
 <p:sld xmlns:a="http://schemas.openxmlformats.org/drawingml/2006/main" xmlns:r="http://schemas.openxmlformats.org/officeDocument/2006/relationships" xmlns:p="http://schemas.openxmlformats.org/presentationml/2006/main">
   <p:cSld>
     <p:spTree>
@@ -11539,20 +12047,11 @@
           <a:bodyPr/>
           <a:lstStyle/>
           <a:p>
-            <a:endParaRPr lang="en-US" dirty="0"/>
-          </a:p>
-          <a:p>
-            <a:r>
-              <a:rPr lang="en-US" dirty="0"/>
-              <a:t>Ga</a:t>
-            </a:r>
-          </a:p>
-          <a:p>
             <a:r>
               <a:rPr lang="en-US" dirty="0">
                 <a:hlinkClick r:id="rId2"/>
               </a:rPr>
-              <a:t>https://jestjs.io/docs/en/expect</a:t>
+              <a:t>https://github.com/artem-gorokhovskii/frontend-unit-tests</a:t>
             </a:r>
             <a:r>
               <a:rPr lang="en-US" dirty="0"/>
@@ -11560,7 +12059,7 @@
             </a:r>
             <a:r>
               <a:rPr lang="ru-RU" dirty="0"/>
-              <a:t>утверждения для тестов</a:t>
+              <a:t>примеры из доклада</a:t>
             </a:r>
             <a:r>
               <a:rPr lang="en-US" dirty="0"/>
@@ -11572,6 +12071,26 @@
               <a:rPr lang="en-US" dirty="0">
                 <a:hlinkClick r:id="rId3"/>
               </a:rPr>
+              <a:t>https://jestjs.io/docs/en/expect</a:t>
+            </a:r>
+            <a:r>
+              <a:rPr lang="en-US" dirty="0"/>
+              <a:t> - </a:t>
+            </a:r>
+            <a:r>
+              <a:rPr lang="ru-RU" dirty="0"/>
+              <a:t>утверждения для тестов</a:t>
+            </a:r>
+            <a:r>
+              <a:rPr lang="en-US" dirty="0"/>
+              <a:t>;</a:t>
+            </a:r>
+          </a:p>
+          <a:p>
+            <a:r>
+              <a:rPr lang="en-US" dirty="0">
+                <a:hlinkClick r:id="rId4"/>
+              </a:rPr>
               <a:t>https://airbnb.io/enzyme/docs/api/shallow.html</a:t>
             </a:r>
             <a:r>
@@ -11613,7 +12132,7 @@
           <a:p>
             <a:fld id="{C3B0FE5C-1B16-42F2-B7DE-779B6E602A6F}" type="slidenum">
               <a:rPr lang="ru-RU" smtClean="0"/>
-              <a:t>42</a:t>
+              <a:t>45</a:t>
             </a:fld>
             <a:endParaRPr lang="ru-RU"/>
           </a:p>
@@ -11632,7 +12151,7 @@
 </p:sld>
 </file>
 
-<file path=ppt/slides/slide43.xml><?xml version="1.0" encoding="utf-8"?>
+<file path=ppt/slides/slide46.xml><?xml version="1.0" encoding="utf-8"?>
 <p:sld xmlns:a="http://schemas.openxmlformats.org/drawingml/2006/main" xmlns:r="http://schemas.openxmlformats.org/officeDocument/2006/relationships" xmlns:p="http://schemas.openxmlformats.org/presentationml/2006/main">
   <p:cSld>
     <p:spTree>
@@ -11718,7 +12237,7 @@
           <a:p>
             <a:fld id="{C3B0FE5C-1B16-42F2-B7DE-779B6E602A6F}" type="slidenum">
               <a:rPr lang="ru-RU" smtClean="0"/>
-              <a:t>43</a:t>
+              <a:t>46</a:t>
             </a:fld>
             <a:endParaRPr lang="ru-RU"/>
           </a:p>
@@ -11862,7 +12381,7 @@
           <p:nvPr>
             <p:extLst>
               <p:ext uri="{D42A27DB-BD31-4B8C-83A1-F6EECF244321}">
-                <p14:modId xmlns:p14="http://schemas.microsoft.com/office/powerpoint/2010/main" val="1355538032"/>
+                <p14:modId xmlns:p14="http://schemas.microsoft.com/office/powerpoint/2010/main" val="2905719087"/>
               </p:ext>
             </p:extLst>
           </p:nvPr>
@@ -12378,10 +12897,18 @@
                         </a:lnSpc>
                       </a:pPr>
                       <a:r>
-                        <a:rPr lang="ru-RU" sz="2400" dirty="0"/>
+                        <a:rPr lang="ru-RU" sz="2400" dirty="0">
+                          <a:solidFill>
+                            <a:srgbClr val="FF0000"/>
+                          </a:solidFill>
+                        </a:rPr>
                         <a:t>1</a:t>
                       </a:r>
-                      <a:endParaRPr lang="en-US" sz="2400" dirty="0"/>
+                      <a:endParaRPr lang="en-US" sz="2400" dirty="0">
+                        <a:solidFill>
+                          <a:srgbClr val="FF0000"/>
+                        </a:solidFill>
+                      </a:endParaRPr>
                     </a:p>
                   </a:txBody>
                   <a:tcPr marL="115117" marR="115117" marT="57559" marB="57559"/>
@@ -12397,10 +12924,18 @@
                         </a:lnSpc>
                       </a:pPr>
                       <a:r>
-                        <a:rPr lang="ru-RU" sz="2400" dirty="0"/>
+                        <a:rPr lang="ru-RU" sz="2400" dirty="0">
+                          <a:solidFill>
+                            <a:srgbClr val="FF0000"/>
+                          </a:solidFill>
+                        </a:rPr>
                         <a:t>10</a:t>
                       </a:r>
-                      <a:endParaRPr lang="en-US" sz="2400" dirty="0"/>
+                      <a:endParaRPr lang="en-US" sz="2400" dirty="0">
+                        <a:solidFill>
+                          <a:srgbClr val="FF0000"/>
+                        </a:solidFill>
+                      </a:endParaRPr>
                     </a:p>
                   </a:txBody>
                   <a:tcPr marL="115117" marR="115117" marT="57559" marB="57559"/>
@@ -12416,10 +12951,18 @@
                         </a:lnSpc>
                       </a:pPr>
                       <a:r>
-                        <a:rPr lang="ru-RU" sz="2400" dirty="0"/>
+                        <a:rPr lang="ru-RU" sz="2400" dirty="0">
+                          <a:solidFill>
+                            <a:srgbClr val="FF0000"/>
+                          </a:solidFill>
+                        </a:rPr>
                         <a:t>10-25</a:t>
                       </a:r>
-                      <a:endParaRPr lang="en-US" sz="2400" dirty="0"/>
+                      <a:endParaRPr lang="en-US" sz="2400" dirty="0">
+                        <a:solidFill>
+                          <a:srgbClr val="FF0000"/>
+                        </a:solidFill>
+                      </a:endParaRPr>
                     </a:p>
                   </a:txBody>
                   <a:tcPr marL="115117" marR="115117" marT="57559" marB="57559"/>

--- a/frontend-unit-tests.pptx
+++ b/frontend-unit-tests.pptx
@@ -242,7 +242,7 @@
           <a:p>
             <a:fld id="{55FB87E7-7F03-4405-BE3A-9126134A58A5}" type="datetimeFigureOut">
               <a:rPr lang="ru-RU" smtClean="0"/>
-              <a:t>11.01.2020</a:t>
+              <a:t>14.01.2020</a:t>
             </a:fld>
             <a:endParaRPr lang="ru-RU"/>
           </a:p>
@@ -683,7 +683,7 @@
           <a:p>
             <a:fld id="{4C7F8A74-163E-4D8F-923A-60BD9DD65064}" type="datetime1">
               <a:rPr lang="ru-RU" smtClean="0"/>
-              <a:t>11.01.2020</a:t>
+              <a:t>14.01.2020</a:t>
             </a:fld>
             <a:endParaRPr lang="ru-RU"/>
           </a:p>
@@ -1184,7 +1184,7 @@
           <a:p>
             <a:fld id="{4C63F9C2-C489-4098-AD04-3D2985BF41DC}" type="datetime1">
               <a:rPr lang="ru-RU" smtClean="0"/>
-              <a:t>11.01.2020</a:t>
+              <a:t>14.01.2020</a:t>
             </a:fld>
             <a:endParaRPr lang="ru-RU"/>
           </a:p>
@@ -1577,7 +1577,7 @@
           <a:p>
             <a:fld id="{14E0A36C-E771-4DB0-B709-B7E5C20BD067}" type="datetime1">
               <a:rPr lang="ru-RU" smtClean="0"/>
-              <a:t>11.01.2020</a:t>
+              <a:t>14.01.2020</a:t>
             </a:fld>
             <a:endParaRPr lang="ru-RU"/>
           </a:p>
@@ -1816,7 +1816,7 @@
           <a:p>
             <a:fld id="{9C5BE051-D014-42A6-B7CD-0A492584FC87}" type="datetime1">
               <a:rPr lang="ru-RU" smtClean="0"/>
-              <a:t>11.01.2020</a:t>
+              <a:t>14.01.2020</a:t>
             </a:fld>
             <a:endParaRPr lang="ru-RU"/>
           </a:p>
@@ -1996,7 +1996,7 @@
           <a:p>
             <a:fld id="{4E4C2AE0-68E5-44C2-9EB2-7151EECFB91C}" type="datetime1">
               <a:rPr lang="ru-RU" smtClean="0"/>
-              <a:t>11.01.2020</a:t>
+              <a:t>14.01.2020</a:t>
             </a:fld>
             <a:endParaRPr lang="ru-RU"/>
           </a:p>
@@ -2125,7 +2125,7 @@
           <a:p>
             <a:fld id="{ACD2AC35-ABFF-4598-9346-536BEE8B9E21}" type="datetime1">
               <a:rPr lang="ru-RU" smtClean="0"/>
-              <a:t>12.01.2020</a:t>
+              <a:t>14.01.2020</a:t>
             </a:fld>
             <a:endParaRPr lang="ru-RU"/>
           </a:p>
@@ -2266,7 +2266,7 @@
           <a:p>
             <a:fld id="{ACD2AC35-ABFF-4598-9346-536BEE8B9E21}" type="datetime1">
               <a:rPr lang="ru-RU" smtClean="0"/>
-              <a:t>12.01.2020</a:t>
+              <a:t>14.01.2020</a:t>
             </a:fld>
             <a:endParaRPr lang="ru-RU"/>
           </a:p>
@@ -2448,7 +2448,7 @@
           <a:p>
             <a:fld id="{E0ACC417-2B25-4F34-8DD9-F37FEDE00886}" type="datetime1">
               <a:rPr lang="ru-RU" smtClean="0"/>
-              <a:t>11.01.2020</a:t>
+              <a:t>14.01.2020</a:t>
             </a:fld>
             <a:endParaRPr lang="ru-RU"/>
           </a:p>
@@ -2720,7 +2720,7 @@
           <a:p>
             <a:fld id="{F31A7993-5074-4D17-B557-18155DA4E477}" type="datetime1">
               <a:rPr lang="ru-RU" smtClean="0"/>
-              <a:t>11.01.2020</a:t>
+              <a:t>14.01.2020</a:t>
             </a:fld>
             <a:endParaRPr lang="ru-RU"/>
           </a:p>
@@ -3114,7 +3114,7 @@
           <a:p>
             <a:fld id="{E459C949-CEC8-4E3C-8232-490B56A7BF15}" type="datetime1">
               <a:rPr lang="ru-RU" smtClean="0"/>
-              <a:t>11.01.2020</a:t>
+              <a:t>14.01.2020</a:t>
             </a:fld>
             <a:endParaRPr lang="ru-RU"/>
           </a:p>
@@ -3596,7 +3596,7 @@
           <a:p>
             <a:fld id="{3C1F7FE7-2618-4C9F-9CE6-6960281F6005}" type="datetime1">
               <a:rPr lang="ru-RU" smtClean="0"/>
-              <a:t>11.01.2020</a:t>
+              <a:t>14.01.2020</a:t>
             </a:fld>
             <a:endParaRPr lang="ru-RU"/>
           </a:p>
@@ -3719,7 +3719,7 @@
           <a:p>
             <a:fld id="{8A49A100-E99A-4FB9-93CA-536E323C385B}" type="datetime1">
               <a:rPr lang="ru-RU" smtClean="0"/>
-              <a:t>11.01.2020</a:t>
+              <a:t>14.01.2020</a:t>
             </a:fld>
             <a:endParaRPr lang="ru-RU"/>
           </a:p>
@@ -3814,7 +3814,7 @@
           <a:p>
             <a:fld id="{210D7A80-8A54-4FC8-82E1-A3BD73E8F563}" type="datetime1">
               <a:rPr lang="ru-RU" smtClean="0"/>
-              <a:t>11.01.2020</a:t>
+              <a:t>14.01.2020</a:t>
             </a:fld>
             <a:endParaRPr lang="ru-RU"/>
           </a:p>
@@ -4028,7 +4028,7 @@
           <a:p>
             <a:fld id="{ACD2AC35-ABFF-4598-9346-536BEE8B9E21}" type="datetime1">
               <a:rPr lang="ru-RU" smtClean="0"/>
-              <a:t>11.01.2020</a:t>
+              <a:t>14.01.2020</a:t>
             </a:fld>
             <a:endParaRPr lang="ru-RU"/>
           </a:p>
@@ -6637,6 +6637,66 @@
           </a:p>
         </p:txBody>
       </p:sp>
+      <p:pic>
+        <p:nvPicPr>
+          <p:cNvPr id="5" name="Рисунок 4">
+            <a:extLst>
+              <a:ext uri="{FF2B5EF4-FFF2-40B4-BE49-F238E27FC236}">
+                <a16:creationId xmlns:a16="http://schemas.microsoft.com/office/drawing/2014/main" id="{8CD42212-C7E0-4C27-84D5-C0A5CF3DD2F5}"/>
+              </a:ext>
+            </a:extLst>
+          </p:cNvPr>
+          <p:cNvPicPr>
+            <a:picLocks noChangeAspect="1"/>
+          </p:cNvPicPr>
+          <p:nvPr/>
+        </p:nvPicPr>
+        <p:blipFill>
+          <a:blip r:embed="rId2"/>
+          <a:stretch>
+            <a:fillRect/>
+          </a:stretch>
+        </p:blipFill>
+        <p:spPr>
+          <a:xfrm>
+            <a:off x="3179901" y="4899040"/>
+            <a:ext cx="5832198" cy="522697"/>
+          </a:xfrm>
+          <a:prstGeom prst="rect">
+            <a:avLst/>
+          </a:prstGeom>
+        </p:spPr>
+      </p:pic>
+      <p:pic>
+        <p:nvPicPr>
+          <p:cNvPr id="6" name="Рисунок 5">
+            <a:extLst>
+              <a:ext uri="{FF2B5EF4-FFF2-40B4-BE49-F238E27FC236}">
+                <a16:creationId xmlns:a16="http://schemas.microsoft.com/office/drawing/2014/main" id="{C5400515-1DF5-47D5-A6A9-11A018AB296C}"/>
+              </a:ext>
+            </a:extLst>
+          </p:cNvPr>
+          <p:cNvPicPr>
+            <a:picLocks noChangeAspect="1"/>
+          </p:cNvPicPr>
+          <p:nvPr/>
+        </p:nvPicPr>
+        <p:blipFill>
+          <a:blip r:embed="rId3"/>
+          <a:stretch>
+            <a:fillRect/>
+          </a:stretch>
+        </p:blipFill>
+        <p:spPr>
+          <a:xfrm>
+            <a:off x="4018971" y="5606052"/>
+            <a:ext cx="4154058" cy="522696"/>
+          </a:xfrm>
+          <a:prstGeom prst="rect">
+            <a:avLst/>
+          </a:prstGeom>
+        </p:spPr>
+      </p:pic>
     </p:spTree>
     <p:extLst>
       <p:ext uri="{BB962C8B-B14F-4D97-AF65-F5344CB8AC3E}">
@@ -6955,7 +7015,12 @@
             <p:ph idx="1"/>
           </p:nvPr>
         </p:nvSpPr>
-        <p:spPr/>
+        <p:spPr>
+          <a:xfrm>
+            <a:off x="1371600" y="2286000"/>
+            <a:ext cx="4724400" cy="3581400"/>
+          </a:xfrm>
+        </p:spPr>
         <p:txBody>
           <a:bodyPr/>
           <a:lstStyle/>
@@ -7020,7 +7085,7 @@
             </a:r>
             <a:r>
               <a:rPr lang="ru-RU" dirty="0"/>
-              <a:t>.</a:t>
+              <a:t> компонентов.</a:t>
             </a:r>
           </a:p>
           <a:p>
@@ -7595,6 +7660,36 @@
           </a:p>
         </p:txBody>
       </p:sp>
+      <p:pic>
+        <p:nvPicPr>
+          <p:cNvPr id="5" name="Рисунок 4">
+            <a:extLst>
+              <a:ext uri="{FF2B5EF4-FFF2-40B4-BE49-F238E27FC236}">
+                <a16:creationId xmlns:a16="http://schemas.microsoft.com/office/drawing/2014/main" id="{9C2F17A7-ECFB-4D8A-8516-0D95431624A9}"/>
+              </a:ext>
+            </a:extLst>
+          </p:cNvPr>
+          <p:cNvPicPr>
+            <a:picLocks noChangeAspect="1"/>
+          </p:cNvPicPr>
+          <p:nvPr/>
+        </p:nvPicPr>
+        <p:blipFill>
+          <a:blip r:embed="rId2"/>
+          <a:stretch>
+            <a:fillRect/>
+          </a:stretch>
+        </p:blipFill>
+        <p:spPr>
+          <a:xfrm>
+            <a:off x="4263442" y="3601700"/>
+            <a:ext cx="3665116" cy="2733113"/>
+          </a:xfrm>
+          <a:prstGeom prst="rect">
+            <a:avLst/>
+          </a:prstGeom>
+        </p:spPr>
+      </p:pic>
     </p:spTree>
     <p:extLst>
       <p:ext uri="{BB962C8B-B14F-4D97-AF65-F5344CB8AC3E}">
@@ -13360,15 +13455,18 @@
             </a:r>
             <a:r>
               <a:rPr lang="en-US" b="1" dirty="0" err="1"/>
-              <a:t>getTime</a:t>
+              <a:t>getDate</a:t>
             </a:r>
             <a:r>
               <a:rPr lang="ru-RU" dirty="0"/>
               <a:t> должен преобразовать входящую дату в формат </a:t>
             </a:r>
-            <a:r>
+            <a:br>
               <a:rPr lang="en-US" dirty="0"/>
-              <a:t>HH:MM:SS</a:t>
+            </a:br>
+            <a:r>
+              <a:rPr lang="en-US" dirty="0"/>
+              <a:t>DD.MM.YYYY HH:MM:SS</a:t>
             </a:r>
             <a:r>
               <a:rPr lang="ru-RU" dirty="0"/>
@@ -13605,7 +13703,7 @@
             <a:pPr lvl="1"/>
             <a:r>
               <a:rPr lang="ru-RU" dirty="0"/>
-              <a:t>подготовить последнее время обновления клиентских данных </a:t>
+              <a:t>подготовить последнюю дату обновления клиентских данных </a:t>
             </a:r>
             <a:r>
               <a:rPr lang="en-US" dirty="0"/>
@@ -13617,7 +13715,7 @@
             </a:r>
             <a:r>
               <a:rPr lang="en-US" dirty="0"/>
-              <a:t>HH:MM:SS) </a:t>
+              <a:t>DD.MM.YYYY HH:MM:SS) </a:t>
             </a:r>
             <a:r>
               <a:rPr lang="ru-RU" dirty="0"/>
